--- a/Documentation/Expending space herkansing.pptx
+++ b/Documentation/Expending space herkansing.pptx
@@ -10,6 +10,9 @@
     <p:sldId id="258" r:id="rId4"/>
     <p:sldId id="259" r:id="rId5"/>
     <p:sldId id="260" r:id="rId6"/>
+    <p:sldId id="261" r:id="rId7"/>
+    <p:sldId id="262" r:id="rId8"/>
+    <p:sldId id="263" r:id="rId9"/>
   </p:sldIdLst>
   <p:sldSz cx="12192000" cy="6858000"/>
   <p:notesSz cx="6858000" cy="9144000"/>
@@ -109,10 +112,6 @@
     </a:lvl9pPr>
   </p:defaultTextStyle>
 </p:presentation>
-</file>
-
-<file path=ppt/revisionInfo.xml><?xml version="1.0" encoding="utf-8"?>
-<p1510:revInfo xmlns:a="http://schemas.openxmlformats.org/drawingml/2006/main" xmlns:r="http://schemas.openxmlformats.org/officeDocument/2006/relationships" xmlns:p1510="http://schemas.microsoft.com/office/powerpoint/2015/10/main"/>
 </file>
 
 <file path=ppt/slideLayouts/slideLayout1.xml><?xml version="1.0" encoding="utf-8"?>
@@ -6416,6 +6415,444 @@
 </p:sld>
 </file>
 
+<file path=ppt/slides/slide6.xml><?xml version="1.0" encoding="utf-8"?>
+<p:sld xmlns:a="http://schemas.openxmlformats.org/drawingml/2006/main" xmlns:r="http://schemas.openxmlformats.org/officeDocument/2006/relationships" xmlns:p="http://schemas.openxmlformats.org/presentationml/2006/main">
+  <p:cSld>
+    <p:spTree>
+      <p:nvGrpSpPr>
+        <p:cNvPr id="1" name=""/>
+        <p:cNvGrpSpPr/>
+        <p:nvPr/>
+      </p:nvGrpSpPr>
+      <p:grpSpPr>
+        <a:xfrm>
+          <a:off x="0" y="0"/>
+          <a:ext cx="0" cy="0"/>
+          <a:chOff x="0" y="0"/>
+          <a:chExt cx="0" cy="0"/>
+        </a:xfrm>
+      </p:grpSpPr>
+      <p:sp>
+        <p:nvSpPr>
+          <p:cNvPr id="2" name="Titel 1">
+            <a:extLst>
+              <a:ext uri="{FF2B5EF4-FFF2-40B4-BE49-F238E27FC236}">
+                <a16:creationId xmlns:a16="http://schemas.microsoft.com/office/drawing/2014/main" id="{D1DEA9A8-0AE4-4756-B2FA-DE5330A1FD13}"/>
+              </a:ext>
+            </a:extLst>
+          </p:cNvPr>
+          <p:cNvSpPr>
+            <a:spLocks noGrp="1"/>
+          </p:cNvSpPr>
+          <p:nvPr>
+            <p:ph type="title"/>
+          </p:nvPr>
+        </p:nvSpPr>
+        <p:spPr/>
+        <p:txBody>
+          <a:bodyPr/>
+          <a:lstStyle/>
+          <a:p>
+            <a:r>
+              <a:rPr lang="en-US" dirty="0"/>
+              <a:t>Object diagram </a:t>
+            </a:r>
+            <a:r>
+              <a:rPr lang="en-US" dirty="0" err="1"/>
+              <a:t>en</a:t>
+            </a:r>
+            <a:r>
+              <a:rPr lang="en-US" dirty="0"/>
+              <a:t> code</a:t>
+            </a:r>
+          </a:p>
+        </p:txBody>
+      </p:sp>
+      <p:pic>
+        <p:nvPicPr>
+          <p:cNvPr id="5" name="Tijdelijke aanduiding voor inhoud 4">
+            <a:extLst>
+              <a:ext uri="{FF2B5EF4-FFF2-40B4-BE49-F238E27FC236}">
+                <a16:creationId xmlns:a16="http://schemas.microsoft.com/office/drawing/2014/main" id="{B11DC57C-29FF-4E02-B051-DCFE1881EE16}"/>
+              </a:ext>
+            </a:extLst>
+          </p:cNvPr>
+          <p:cNvPicPr>
+            <a:picLocks noGrp="1" noChangeAspect="1"/>
+          </p:cNvPicPr>
+          <p:nvPr>
+            <p:ph idx="1"/>
+          </p:nvPr>
+        </p:nvPicPr>
+        <p:blipFill>
+          <a:blip r:embed="rId2">
+            <a:extLst>
+              <a:ext uri="{28A0092B-C50C-407E-A947-70E740481C1C}">
+                <a14:useLocalDpi xmlns:a14="http://schemas.microsoft.com/office/drawing/2010/main" val="0"/>
+              </a:ext>
+            </a:extLst>
+          </a:blip>
+          <a:stretch>
+            <a:fillRect/>
+          </a:stretch>
+        </p:blipFill>
+        <p:spPr>
+          <a:xfrm>
+            <a:off x="677334" y="1341438"/>
+            <a:ext cx="4153264" cy="3881437"/>
+          </a:xfrm>
+        </p:spPr>
+      </p:pic>
+      <p:pic>
+        <p:nvPicPr>
+          <p:cNvPr id="7" name="Afbeelding 6">
+            <a:extLst>
+              <a:ext uri="{FF2B5EF4-FFF2-40B4-BE49-F238E27FC236}">
+                <a16:creationId xmlns:a16="http://schemas.microsoft.com/office/drawing/2014/main" id="{EB1B2F97-7FB9-45AE-8025-A83B9C5368DD}"/>
+              </a:ext>
+            </a:extLst>
+          </p:cNvPr>
+          <p:cNvPicPr>
+            <a:picLocks noChangeAspect="1"/>
+          </p:cNvPicPr>
+          <p:nvPr/>
+        </p:nvPicPr>
+        <p:blipFill>
+          <a:blip r:embed="rId3">
+            <a:extLst>
+              <a:ext uri="{28A0092B-C50C-407E-A947-70E740481C1C}">
+                <a14:useLocalDpi xmlns:a14="http://schemas.microsoft.com/office/drawing/2010/main" val="0"/>
+              </a:ext>
+            </a:extLst>
+          </a:blip>
+          <a:stretch>
+            <a:fillRect/>
+          </a:stretch>
+        </p:blipFill>
+        <p:spPr>
+          <a:xfrm>
+            <a:off x="5645086" y="1030392"/>
+            <a:ext cx="3810330" cy="1508891"/>
+          </a:xfrm>
+          <a:prstGeom prst="rect">
+            <a:avLst/>
+          </a:prstGeom>
+        </p:spPr>
+      </p:pic>
+      <p:pic>
+        <p:nvPicPr>
+          <p:cNvPr id="10" name="Afbeelding 9">
+            <a:extLst>
+              <a:ext uri="{FF2B5EF4-FFF2-40B4-BE49-F238E27FC236}">
+                <a16:creationId xmlns:a16="http://schemas.microsoft.com/office/drawing/2014/main" id="{0E3928B1-EEDA-4C62-9946-2232C4DBA781}"/>
+              </a:ext>
+            </a:extLst>
+          </p:cNvPr>
+          <p:cNvPicPr>
+            <a:picLocks noChangeAspect="1"/>
+          </p:cNvPicPr>
+          <p:nvPr/>
+        </p:nvPicPr>
+        <p:blipFill>
+          <a:blip r:embed="rId4">
+            <a:extLst>
+              <a:ext uri="{28A0092B-C50C-407E-A947-70E740481C1C}">
+                <a14:useLocalDpi xmlns:a14="http://schemas.microsoft.com/office/drawing/2010/main" val="0"/>
+              </a:ext>
+            </a:extLst>
+          </a:blip>
+          <a:stretch>
+            <a:fillRect/>
+          </a:stretch>
+        </p:blipFill>
+        <p:spPr>
+          <a:xfrm>
+            <a:off x="4830598" y="4261553"/>
+            <a:ext cx="4343776" cy="2408129"/>
+          </a:xfrm>
+          <a:prstGeom prst="rect">
+            <a:avLst/>
+          </a:prstGeom>
+        </p:spPr>
+      </p:pic>
+      <p:pic>
+        <p:nvPicPr>
+          <p:cNvPr id="12" name="Afbeelding 11">
+            <a:extLst>
+              <a:ext uri="{FF2B5EF4-FFF2-40B4-BE49-F238E27FC236}">
+                <a16:creationId xmlns:a16="http://schemas.microsoft.com/office/drawing/2014/main" id="{A642E488-E03D-41B0-87C4-CC4066251CE5}"/>
+              </a:ext>
+            </a:extLst>
+          </p:cNvPr>
+          <p:cNvPicPr>
+            <a:picLocks noChangeAspect="1"/>
+          </p:cNvPicPr>
+          <p:nvPr/>
+        </p:nvPicPr>
+        <p:blipFill>
+          <a:blip r:embed="rId5">
+            <a:extLst>
+              <a:ext uri="{28A0092B-C50C-407E-A947-70E740481C1C}">
+                <a14:useLocalDpi xmlns:a14="http://schemas.microsoft.com/office/drawing/2010/main" val="0"/>
+              </a:ext>
+            </a:extLst>
+          </a:blip>
+          <a:stretch>
+            <a:fillRect/>
+          </a:stretch>
+        </p:blipFill>
+        <p:spPr>
+          <a:xfrm>
+            <a:off x="9003756" y="1784838"/>
+            <a:ext cx="3010161" cy="3231160"/>
+          </a:xfrm>
+          <a:prstGeom prst="rect">
+            <a:avLst/>
+          </a:prstGeom>
+        </p:spPr>
+      </p:pic>
+    </p:spTree>
+    <p:extLst>
+      <p:ext uri="{BB962C8B-B14F-4D97-AF65-F5344CB8AC3E}">
+        <p14:creationId xmlns:p14="http://schemas.microsoft.com/office/powerpoint/2010/main" val="3706567284"/>
+      </p:ext>
+    </p:extLst>
+  </p:cSld>
+  <p:clrMapOvr>
+    <a:masterClrMapping/>
+  </p:clrMapOvr>
+</p:sld>
+</file>
+
+<file path=ppt/slides/slide7.xml><?xml version="1.0" encoding="utf-8"?>
+<p:sld xmlns:a="http://schemas.openxmlformats.org/drawingml/2006/main" xmlns:r="http://schemas.openxmlformats.org/officeDocument/2006/relationships" xmlns:p="http://schemas.openxmlformats.org/presentationml/2006/main">
+  <p:cSld>
+    <p:spTree>
+      <p:nvGrpSpPr>
+        <p:cNvPr id="1" name=""/>
+        <p:cNvGrpSpPr/>
+        <p:nvPr/>
+      </p:nvGrpSpPr>
+      <p:grpSpPr>
+        <a:xfrm>
+          <a:off x="0" y="0"/>
+          <a:ext cx="0" cy="0"/>
+          <a:chOff x="0" y="0"/>
+          <a:chExt cx="0" cy="0"/>
+        </a:xfrm>
+      </p:grpSpPr>
+      <p:sp>
+        <p:nvSpPr>
+          <p:cNvPr id="2" name="Titel 1">
+            <a:extLst>
+              <a:ext uri="{FF2B5EF4-FFF2-40B4-BE49-F238E27FC236}">
+                <a16:creationId xmlns:a16="http://schemas.microsoft.com/office/drawing/2014/main" id="{233F7B6C-F428-4F8F-9CE8-FD5E28CC6C2B}"/>
+              </a:ext>
+            </a:extLst>
+          </p:cNvPr>
+          <p:cNvSpPr>
+            <a:spLocks noGrp="1"/>
+          </p:cNvSpPr>
+          <p:nvPr>
+            <p:ph type="title"/>
+          </p:nvPr>
+        </p:nvSpPr>
+        <p:spPr/>
+        <p:txBody>
+          <a:bodyPr/>
+          <a:lstStyle/>
+          <a:p>
+            <a:r>
+              <a:rPr lang="en-US" dirty="0" err="1"/>
+              <a:t>Reflectie</a:t>
+            </a:r>
+            <a:endParaRPr lang="en-US" dirty="0"/>
+          </a:p>
+        </p:txBody>
+      </p:sp>
+      <p:sp>
+        <p:nvSpPr>
+          <p:cNvPr id="3" name="Tijdelijke aanduiding voor inhoud 2">
+            <a:extLst>
+              <a:ext uri="{FF2B5EF4-FFF2-40B4-BE49-F238E27FC236}">
+                <a16:creationId xmlns:a16="http://schemas.microsoft.com/office/drawing/2014/main" id="{C77C4800-1C7A-4650-8166-AC005B39A25C}"/>
+              </a:ext>
+            </a:extLst>
+          </p:cNvPr>
+          <p:cNvSpPr>
+            <a:spLocks noGrp="1"/>
+          </p:cNvSpPr>
+          <p:nvPr>
+            <p:ph idx="1"/>
+          </p:nvPr>
+        </p:nvSpPr>
+        <p:spPr/>
+        <p:txBody>
+          <a:bodyPr/>
+          <a:lstStyle/>
+          <a:p>
+            <a:r>
+              <a:rPr lang="nl-NL" dirty="0"/>
+              <a:t>Wat vond ik goed gaan in dit </a:t>
+            </a:r>
+            <a:r>
+              <a:rPr lang="nl-NL" b="1" dirty="0"/>
+              <a:t> </a:t>
+            </a:r>
+            <a:r>
+              <a:rPr lang="nl-NL" dirty="0"/>
+              <a:t>proces en waarom</a:t>
+            </a:r>
+          </a:p>
+          <a:p>
+            <a:endParaRPr lang="nl-NL" dirty="0"/>
+          </a:p>
+          <a:p>
+            <a:r>
+              <a:rPr lang="nl-NL" dirty="0"/>
+              <a:t>Hoe kon dit proces beter en waarom? </a:t>
+            </a:r>
+          </a:p>
+          <a:p>
+            <a:endParaRPr lang="nl-NL" dirty="0"/>
+          </a:p>
+          <a:p>
+            <a:r>
+              <a:rPr lang="nl-NL" dirty="0"/>
+              <a:t>Wat vind je goed aan het resultaat</a:t>
+            </a:r>
+            <a:r>
+              <a:rPr lang="nl-NL" b="1" dirty="0"/>
+              <a:t> </a:t>
+            </a:r>
+            <a:r>
+              <a:rPr lang="nl-NL" dirty="0"/>
+              <a:t>en waarom?</a:t>
+            </a:r>
+          </a:p>
+          <a:p>
+            <a:endParaRPr lang="nl-NL" dirty="0"/>
+          </a:p>
+          <a:p>
+            <a:r>
+              <a:rPr lang="nl-NL" dirty="0"/>
+              <a:t>Hoe kan het resultaat</a:t>
+            </a:r>
+            <a:r>
+              <a:rPr lang="nl-NL" b="1" dirty="0"/>
+              <a:t> </a:t>
+            </a:r>
+            <a:r>
+              <a:rPr lang="nl-NL" dirty="0"/>
+              <a:t>verbeterd worden en waarom?</a:t>
+            </a:r>
+            <a:endParaRPr lang="en-US" dirty="0"/>
+          </a:p>
+        </p:txBody>
+      </p:sp>
+    </p:spTree>
+    <p:extLst>
+      <p:ext uri="{BB962C8B-B14F-4D97-AF65-F5344CB8AC3E}">
+        <p14:creationId xmlns:p14="http://schemas.microsoft.com/office/powerpoint/2010/main" val="2103219999"/>
+      </p:ext>
+    </p:extLst>
+  </p:cSld>
+  <p:clrMapOvr>
+    <a:masterClrMapping/>
+  </p:clrMapOvr>
+</p:sld>
+</file>
+
+<file path=ppt/slides/slide8.xml><?xml version="1.0" encoding="utf-8"?>
+<p:sld xmlns:a="http://schemas.openxmlformats.org/drawingml/2006/main" xmlns:r="http://schemas.openxmlformats.org/officeDocument/2006/relationships" xmlns:p="http://schemas.openxmlformats.org/presentationml/2006/main">
+  <p:cSld>
+    <p:spTree>
+      <p:nvGrpSpPr>
+        <p:cNvPr id="1" name=""/>
+        <p:cNvGrpSpPr/>
+        <p:nvPr/>
+      </p:nvGrpSpPr>
+      <p:grpSpPr>
+        <a:xfrm>
+          <a:off x="0" y="0"/>
+          <a:ext cx="0" cy="0"/>
+          <a:chOff x="0" y="0"/>
+          <a:chExt cx="0" cy="0"/>
+        </a:xfrm>
+      </p:grpSpPr>
+      <p:sp>
+        <p:nvSpPr>
+          <p:cNvPr id="2" name="Titel 1">
+            <a:extLst>
+              <a:ext uri="{FF2B5EF4-FFF2-40B4-BE49-F238E27FC236}">
+                <a16:creationId xmlns:a16="http://schemas.microsoft.com/office/drawing/2014/main" id="{3B31D813-3F87-4EB7-8B38-47E18BEB42FE}"/>
+              </a:ext>
+            </a:extLst>
+          </p:cNvPr>
+          <p:cNvSpPr>
+            <a:spLocks noGrp="1"/>
+          </p:cNvSpPr>
+          <p:nvPr>
+            <p:ph type="title"/>
+          </p:nvPr>
+        </p:nvSpPr>
+        <p:spPr/>
+        <p:txBody>
+          <a:bodyPr/>
+          <a:lstStyle/>
+          <a:p>
+            <a:r>
+              <a:rPr lang="en-US" dirty="0"/>
+              <a:t>Demo</a:t>
+            </a:r>
+          </a:p>
+        </p:txBody>
+      </p:sp>
+      <p:sp>
+        <p:nvSpPr>
+          <p:cNvPr id="3" name="Tijdelijke aanduiding voor inhoud 2">
+            <a:extLst>
+              <a:ext uri="{FF2B5EF4-FFF2-40B4-BE49-F238E27FC236}">
+                <a16:creationId xmlns:a16="http://schemas.microsoft.com/office/drawing/2014/main" id="{0D95E0BA-1190-41CC-9EA6-13E499360BDE}"/>
+              </a:ext>
+            </a:extLst>
+          </p:cNvPr>
+          <p:cNvSpPr>
+            <a:spLocks noGrp="1"/>
+          </p:cNvSpPr>
+          <p:nvPr>
+            <p:ph idx="1"/>
+          </p:nvPr>
+        </p:nvSpPr>
+        <p:spPr/>
+        <p:txBody>
+          <a:bodyPr/>
+          <a:lstStyle/>
+          <a:p>
+            <a:r>
+              <a:rPr lang="en-US" dirty="0"/>
+              <a:t>Game </a:t>
+            </a:r>
+            <a:r>
+              <a:rPr lang="en-US"/>
+              <a:t>spelen</a:t>
+            </a:r>
+          </a:p>
+        </p:txBody>
+      </p:sp>
+    </p:spTree>
+    <p:extLst>
+      <p:ext uri="{BB962C8B-B14F-4D97-AF65-F5344CB8AC3E}">
+        <p14:creationId xmlns:p14="http://schemas.microsoft.com/office/powerpoint/2010/main" val="3020042364"/>
+      </p:ext>
+    </p:extLst>
+  </p:cSld>
+  <p:clrMapOvr>
+    <a:masterClrMapping/>
+  </p:clrMapOvr>
+</p:sld>
+</file>
+
 <file path=ppt/theme/theme1.xml><?xml version="1.0" encoding="utf-8"?>
 <a:theme xmlns:a="http://schemas.openxmlformats.org/drawingml/2006/main" name="Facet">
   <a:themeElements>

--- a/Documentation/Expending space herkansing.pptx
+++ b/Documentation/Expending space herkansing.pptx
@@ -6567,7 +6567,7 @@
         </p:blipFill>
         <p:spPr>
           <a:xfrm>
-            <a:off x="4830598" y="4261553"/>
+            <a:off x="5906923" y="4415685"/>
             <a:ext cx="4343776" cy="2408129"/>
           </a:xfrm>
           <a:prstGeom prst="rect">
@@ -6603,8 +6603,44 @@
         </p:blipFill>
         <p:spPr>
           <a:xfrm>
-            <a:off x="9003756" y="1784838"/>
+            <a:off x="9181839" y="1594338"/>
             <a:ext cx="3010161" cy="3231160"/>
+          </a:xfrm>
+          <a:prstGeom prst="rect">
+            <a:avLst/>
+          </a:prstGeom>
+        </p:spPr>
+      </p:pic>
+      <p:pic>
+        <p:nvPicPr>
+          <p:cNvPr id="14" name="Afbeelding 13">
+            <a:extLst>
+              <a:ext uri="{FF2B5EF4-FFF2-40B4-BE49-F238E27FC236}">
+                <a16:creationId xmlns:a16="http://schemas.microsoft.com/office/drawing/2014/main" id="{F8C945DD-731F-4444-8949-3A9FF903648A}"/>
+              </a:ext>
+            </a:extLst>
+          </p:cNvPr>
+          <p:cNvPicPr>
+            <a:picLocks noChangeAspect="1"/>
+          </p:cNvPicPr>
+          <p:nvPr/>
+        </p:nvPicPr>
+        <p:blipFill>
+          <a:blip r:embed="rId6">
+            <a:extLst>
+              <a:ext uri="{28A0092B-C50C-407E-A947-70E740481C1C}">
+                <a14:useLocalDpi xmlns:a14="http://schemas.microsoft.com/office/drawing/2010/main" val="0"/>
+              </a:ext>
+            </a:extLst>
+          </a:blip>
+          <a:stretch>
+            <a:fillRect/>
+          </a:stretch>
+        </p:blipFill>
+        <p:spPr>
+          <a:xfrm>
+            <a:off x="296906" y="5364713"/>
+            <a:ext cx="4891396" cy="1493287"/>
           </a:xfrm>
           <a:prstGeom prst="rect">
             <a:avLst/>
@@ -6834,9 +6870,10 @@
               <a:t>Game </a:t>
             </a:r>
             <a:r>
-              <a:rPr lang="en-US"/>
+              <a:rPr lang="en-US" dirty="0" err="1"/>
               <a:t>spelen</a:t>
             </a:r>
+            <a:endParaRPr lang="en-US" dirty="0"/>
           </a:p>
         </p:txBody>
       </p:sp>
